--- a/HandsOn/Group24/presentation/Aplicación de Locales.pptx
+++ b/HandsOn/Group24/presentation/Aplicación de Locales.pptx
@@ -18427,7 +18427,7 @@
             </a:pPr>
             <a:r>
               <a:rPr lang="es-ES" sz="2300"/>
-              <a:t>En nuestro caso hemos usado datos de locales, sus ubicaciones y horarios para crear una aplicación que </a:t>
+              <a:t>En nuestro caso hemos usado datos de locales, sus ubicaciones y horarios para crear una aplicación que muestre las terrazas según el barrio y distrito seleccionado.</a:t>
             </a:r>
             <a:endParaRPr sz="2300"/>
           </a:p>
@@ -19494,7 +19494,7 @@
             </a:r>
             <a:r>
               <a:rPr lang="es-ES"/>
-              <a:t> de mesas , horarios de apertura y de cierre, etc</a:t>
+              <a:t> de mesas , horarios de apertura y de cierre, etc.</a:t>
             </a:r>
             <a:endParaRPr/>
           </a:p>
@@ -20091,7 +20091,7 @@
             </a:pPr>
             <a:r>
               <a:rPr lang="es-ES"/>
-              <a:t>A partir del csv hemos generado un .yml y lo hemos transformado en .rml, para con rmlmapper generar el archivo Ntriples con links.</a:t>
+              <a:t>A partir del csv hemos generado un .yml y lo hemos transformado en .rml, para generar el archivo Ntriples con links.</a:t>
             </a:r>
             <a:endParaRPr/>
           </a:p>
@@ -20730,9 +20730,9 @@
 </file>
 
 <file path=ppt/theme/theme1.xml><?xml version="1.0" encoding="utf-8"?>
-<a:theme xmlns:a="http://schemas.openxmlformats.org/drawingml/2006/main" xmlns:r="http://schemas.openxmlformats.org/officeDocument/2006/relationships">
+<a:theme xmlns:a="http://schemas.openxmlformats.org/drawingml/2006/main" xmlns:r="http://schemas.openxmlformats.org/officeDocument/2006/relationships" name="SketchyVTI">
   <a:themeElements>
-    <a:clrScheme name="Default">
+    <a:clrScheme name="SketchyVTI">
       <a:dk1>
         <a:srgbClr val="000000"/>
       </a:dk1>
@@ -20740,34 +20740,34 @@
         <a:srgbClr val="FFFFFF"/>
       </a:lt1>
       <a:dk2>
-        <a:srgbClr val="158158"/>
+        <a:srgbClr val="39302A"/>
       </a:dk2>
       <a:lt2>
-        <a:srgbClr val="F3F3F3"/>
+        <a:srgbClr val="E5DEDB"/>
       </a:lt2>
       <a:accent1>
-        <a:srgbClr val="058DC7"/>
+        <a:srgbClr val="E4650E"/>
       </a:accent1>
       <a:accent2>
-        <a:srgbClr val="50B432"/>
+        <a:srgbClr val="00A5AB"/>
       </a:accent2>
       <a:accent3>
-        <a:srgbClr val="ED561B"/>
+        <a:srgbClr val="09963B"/>
       </a:accent3>
       <a:accent4>
-        <a:srgbClr val="EDEF00"/>
+        <a:srgbClr val="E64823"/>
       </a:accent4>
       <a:accent5>
-        <a:srgbClr val="24CBE5"/>
+        <a:srgbClr val="9C6A6A"/>
       </a:accent5>
       <a:accent6>
-        <a:srgbClr val="64E572"/>
+        <a:srgbClr val="824F8C"/>
       </a:accent6>
       <a:hlink>
-        <a:srgbClr val="2200CC"/>
+        <a:srgbClr val="2998E3"/>
       </a:hlink>
       <a:folHlink>
-        <a:srgbClr val="551A8B"/>
+        <a:srgbClr val="7F723D"/>
       </a:folHlink>
     </a:clrScheme>
     <a:fontScheme name="Office">
@@ -21009,9 +21009,9 @@
 </file>
 
 <file path=ppt/theme/theme2.xml><?xml version="1.0" encoding="utf-8"?>
-<a:theme xmlns:a="http://schemas.openxmlformats.org/drawingml/2006/main" xmlns:r="http://schemas.openxmlformats.org/officeDocument/2006/relationships" name="SketchyVTI">
+<a:theme xmlns:a="http://schemas.openxmlformats.org/drawingml/2006/main" xmlns:r="http://schemas.openxmlformats.org/officeDocument/2006/relationships">
   <a:themeElements>
-    <a:clrScheme name="SketchyVTI">
+    <a:clrScheme name="Default">
       <a:dk1>
         <a:srgbClr val="000000"/>
       </a:dk1>
@@ -21019,34 +21019,34 @@
         <a:srgbClr val="FFFFFF"/>
       </a:lt1>
       <a:dk2>
-        <a:srgbClr val="39302A"/>
+        <a:srgbClr val="158158"/>
       </a:dk2>
       <a:lt2>
-        <a:srgbClr val="E5DEDB"/>
+        <a:srgbClr val="F3F3F3"/>
       </a:lt2>
       <a:accent1>
-        <a:srgbClr val="E4650E"/>
+        <a:srgbClr val="058DC7"/>
       </a:accent1>
       <a:accent2>
-        <a:srgbClr val="00A5AB"/>
+        <a:srgbClr val="50B432"/>
       </a:accent2>
       <a:accent3>
-        <a:srgbClr val="09963B"/>
+        <a:srgbClr val="ED561B"/>
       </a:accent3>
       <a:accent4>
-        <a:srgbClr val="E64823"/>
+        <a:srgbClr val="EDEF00"/>
       </a:accent4>
       <a:accent5>
-        <a:srgbClr val="9C6A6A"/>
+        <a:srgbClr val="24CBE5"/>
       </a:accent5>
       <a:accent6>
-        <a:srgbClr val="824F8C"/>
+        <a:srgbClr val="64E572"/>
       </a:accent6>
       <a:hlink>
-        <a:srgbClr val="2998E3"/>
+        <a:srgbClr val="2200CC"/>
       </a:hlink>
       <a:folHlink>
-        <a:srgbClr val="7F723D"/>
+        <a:srgbClr val="551A8B"/>
       </a:folHlink>
     </a:clrScheme>
     <a:fontScheme name="Office">
